--- a/20_発表資料/B4_上坂大樹_進捗報告１.pptx
+++ b/20_発表資料/B4_上坂大樹_進捗報告１.pptx
@@ -4,13 +4,15 @@
   <p:sldMasterIdLst>
     <p:sldMasterId id="2147483779" r:id="rId1"/>
   </p:sldMasterIdLst>
+  <p:notesMasterIdLst>
+    <p:notesMasterId r:id="rId7"/>
+  </p:notesMasterIdLst>
   <p:sldIdLst>
     <p:sldId id="256" r:id="rId2"/>
     <p:sldId id="261" r:id="rId3"/>
     <p:sldId id="257" r:id="rId4"/>
     <p:sldId id="258" r:id="rId5"/>
     <p:sldId id="259" r:id="rId6"/>
-    <p:sldId id="260" r:id="rId7"/>
   </p:sldIdLst>
   <p:sldSz cx="12192000" cy="6858000"/>
   <p:notesSz cx="6858000" cy="9144000"/>
@@ -117,6 +119,660 @@
 </p:presentation>
 </file>
 
+<file path=ppt/notesMasters/notesMaster1.xml><?xml version="1.0" encoding="utf-8"?>
+<p:notesMaster xmlns:a="http://schemas.openxmlformats.org/drawingml/2006/main" xmlns:r="http://schemas.openxmlformats.org/officeDocument/2006/relationships" xmlns:p="http://schemas.openxmlformats.org/presentationml/2006/main">
+  <p:cSld>
+    <p:bg>
+      <p:bgRef idx="1001">
+        <a:schemeClr val="bg1"/>
+      </p:bgRef>
+    </p:bg>
+    <p:spTree>
+      <p:nvGrpSpPr>
+        <p:cNvPr id="1" name=""/>
+        <p:cNvGrpSpPr/>
+        <p:nvPr/>
+      </p:nvGrpSpPr>
+      <p:grpSpPr>
+        <a:xfrm>
+          <a:off x="0" y="0"/>
+          <a:ext cx="0" cy="0"/>
+          <a:chOff x="0" y="0"/>
+          <a:chExt cx="0" cy="0"/>
+        </a:xfrm>
+      </p:grpSpPr>
+      <p:sp>
+        <p:nvSpPr>
+          <p:cNvPr id="2" name="ヘッダー プレースホルダー 1"/>
+          <p:cNvSpPr>
+            <a:spLocks noGrp="1"/>
+          </p:cNvSpPr>
+          <p:nvPr>
+            <p:ph type="hdr" sz="quarter"/>
+          </p:nvPr>
+        </p:nvSpPr>
+        <p:spPr>
+          <a:xfrm>
+            <a:off x="0" y="0"/>
+            <a:ext cx="2971800" cy="458788"/>
+          </a:xfrm>
+          <a:prstGeom prst="rect">
+            <a:avLst/>
+          </a:prstGeom>
+        </p:spPr>
+        <p:txBody>
+          <a:bodyPr vert="horz" lIns="91440" tIns="45720" rIns="91440" bIns="45720" rtlCol="0"/>
+          <a:lstStyle>
+            <a:lvl1pPr algn="l">
+              <a:defRPr sz="1200"/>
+            </a:lvl1pPr>
+          </a:lstStyle>
+          <a:p>
+            <a:endParaRPr kumimoji="1" lang="ja-JP" altLang="en-US"/>
+          </a:p>
+        </p:txBody>
+      </p:sp>
+      <p:sp>
+        <p:nvSpPr>
+          <p:cNvPr id="3" name="日付プレースホルダー 2"/>
+          <p:cNvSpPr>
+            <a:spLocks noGrp="1"/>
+          </p:cNvSpPr>
+          <p:nvPr>
+            <p:ph type="dt" idx="1"/>
+          </p:nvPr>
+        </p:nvSpPr>
+        <p:spPr>
+          <a:xfrm>
+            <a:off x="3884613" y="0"/>
+            <a:ext cx="2971800" cy="458788"/>
+          </a:xfrm>
+          <a:prstGeom prst="rect">
+            <a:avLst/>
+          </a:prstGeom>
+        </p:spPr>
+        <p:txBody>
+          <a:bodyPr vert="horz" lIns="91440" tIns="45720" rIns="91440" bIns="45720" rtlCol="0"/>
+          <a:lstStyle>
+            <a:lvl1pPr algn="r">
+              <a:defRPr sz="1200"/>
+            </a:lvl1pPr>
+          </a:lstStyle>
+          <a:p>
+            <a:fld id="{335488D0-307D-4B43-9304-D4616C2A01FE}" type="datetimeFigureOut">
+              <a:rPr kumimoji="1" lang="ja-JP" altLang="en-US" smtClean="0"/>
+              <a:t>2025/7/23</a:t>
+            </a:fld>
+            <a:endParaRPr kumimoji="1" lang="ja-JP" altLang="en-US"/>
+          </a:p>
+        </p:txBody>
+      </p:sp>
+      <p:sp>
+        <p:nvSpPr>
+          <p:cNvPr id="4" name="スライド イメージ プレースホルダー 3"/>
+          <p:cNvSpPr>
+            <a:spLocks noGrp="1" noRot="1" noChangeAspect="1"/>
+          </p:cNvSpPr>
+          <p:nvPr>
+            <p:ph type="sldImg" idx="2"/>
+          </p:nvPr>
+        </p:nvSpPr>
+        <p:spPr>
+          <a:xfrm>
+            <a:off x="685800" y="1143000"/>
+            <a:ext cx="5486400" cy="3086100"/>
+          </a:xfrm>
+          <a:prstGeom prst="rect">
+            <a:avLst/>
+          </a:prstGeom>
+          <a:noFill/>
+          <a:ln w="12700">
+            <a:solidFill>
+              <a:prstClr val="black"/>
+            </a:solidFill>
+          </a:ln>
+        </p:spPr>
+        <p:txBody>
+          <a:bodyPr vert="horz" lIns="91440" tIns="45720" rIns="91440" bIns="45720" rtlCol="0" anchor="ctr"/>
+          <a:lstStyle/>
+          <a:p>
+            <a:endParaRPr lang="ja-JP" altLang="en-US"/>
+          </a:p>
+        </p:txBody>
+      </p:sp>
+      <p:sp>
+        <p:nvSpPr>
+          <p:cNvPr id="5" name="ノート プレースホルダー 4"/>
+          <p:cNvSpPr>
+            <a:spLocks noGrp="1"/>
+          </p:cNvSpPr>
+          <p:nvPr>
+            <p:ph type="body" sz="quarter" idx="3"/>
+          </p:nvPr>
+        </p:nvSpPr>
+        <p:spPr>
+          <a:xfrm>
+            <a:off x="685800" y="4400550"/>
+            <a:ext cx="5486400" cy="3600450"/>
+          </a:xfrm>
+          <a:prstGeom prst="rect">
+            <a:avLst/>
+          </a:prstGeom>
+        </p:spPr>
+        <p:txBody>
+          <a:bodyPr vert="horz" lIns="91440" tIns="45720" rIns="91440" bIns="45720" rtlCol="0"/>
+          <a:lstStyle/>
+          <a:p>
+            <a:pPr lvl="0"/>
+            <a:r>
+              <a:rPr kumimoji="1" lang="ja-JP" altLang="en-US"/>
+              <a:t>マスター テキストの書式設定</a:t>
+            </a:r>
+          </a:p>
+          <a:p>
+            <a:pPr lvl="1"/>
+            <a:r>
+              <a:rPr kumimoji="1" lang="ja-JP" altLang="en-US"/>
+              <a:t>第 </a:t>
+            </a:r>
+            <a:r>
+              <a:rPr kumimoji="1" lang="en-US" altLang="ja-JP"/>
+              <a:t>2 </a:t>
+            </a:r>
+            <a:r>
+              <a:rPr kumimoji="1" lang="ja-JP" altLang="en-US"/>
+              <a:t>レベル</a:t>
+            </a:r>
+          </a:p>
+          <a:p>
+            <a:pPr lvl="2"/>
+            <a:r>
+              <a:rPr kumimoji="1" lang="ja-JP" altLang="en-US"/>
+              <a:t>第 </a:t>
+            </a:r>
+            <a:r>
+              <a:rPr kumimoji="1" lang="en-US" altLang="ja-JP"/>
+              <a:t>3 </a:t>
+            </a:r>
+            <a:r>
+              <a:rPr kumimoji="1" lang="ja-JP" altLang="en-US"/>
+              <a:t>レベル</a:t>
+            </a:r>
+          </a:p>
+          <a:p>
+            <a:pPr lvl="3"/>
+            <a:r>
+              <a:rPr kumimoji="1" lang="ja-JP" altLang="en-US"/>
+              <a:t>第 </a:t>
+            </a:r>
+            <a:r>
+              <a:rPr kumimoji="1" lang="en-US" altLang="ja-JP"/>
+              <a:t>4 </a:t>
+            </a:r>
+            <a:r>
+              <a:rPr kumimoji="1" lang="ja-JP" altLang="en-US"/>
+              <a:t>レベル</a:t>
+            </a:r>
+          </a:p>
+          <a:p>
+            <a:pPr lvl="4"/>
+            <a:r>
+              <a:rPr kumimoji="1" lang="ja-JP" altLang="en-US"/>
+              <a:t>第 </a:t>
+            </a:r>
+            <a:r>
+              <a:rPr kumimoji="1" lang="en-US" altLang="ja-JP"/>
+              <a:t>5 </a:t>
+            </a:r>
+            <a:r>
+              <a:rPr kumimoji="1" lang="ja-JP" altLang="en-US"/>
+              <a:t>レベル</a:t>
+            </a:r>
+          </a:p>
+        </p:txBody>
+      </p:sp>
+      <p:sp>
+        <p:nvSpPr>
+          <p:cNvPr id="6" name="フッター プレースホルダー 5"/>
+          <p:cNvSpPr>
+            <a:spLocks noGrp="1"/>
+          </p:cNvSpPr>
+          <p:nvPr>
+            <p:ph type="ftr" sz="quarter" idx="4"/>
+          </p:nvPr>
+        </p:nvSpPr>
+        <p:spPr>
+          <a:xfrm>
+            <a:off x="0" y="8685213"/>
+            <a:ext cx="2971800" cy="458787"/>
+          </a:xfrm>
+          <a:prstGeom prst="rect">
+            <a:avLst/>
+          </a:prstGeom>
+        </p:spPr>
+        <p:txBody>
+          <a:bodyPr vert="horz" lIns="91440" tIns="45720" rIns="91440" bIns="45720" rtlCol="0" anchor="b"/>
+          <a:lstStyle>
+            <a:lvl1pPr algn="l">
+              <a:defRPr sz="1200"/>
+            </a:lvl1pPr>
+          </a:lstStyle>
+          <a:p>
+            <a:endParaRPr kumimoji="1" lang="ja-JP" altLang="en-US"/>
+          </a:p>
+        </p:txBody>
+      </p:sp>
+      <p:sp>
+        <p:nvSpPr>
+          <p:cNvPr id="7" name="スライド番号プレースホルダー 6"/>
+          <p:cNvSpPr>
+            <a:spLocks noGrp="1"/>
+          </p:cNvSpPr>
+          <p:nvPr>
+            <p:ph type="sldNum" sz="quarter" idx="5"/>
+          </p:nvPr>
+        </p:nvSpPr>
+        <p:spPr>
+          <a:xfrm>
+            <a:off x="3884613" y="8685213"/>
+            <a:ext cx="2971800" cy="458787"/>
+          </a:xfrm>
+          <a:prstGeom prst="rect">
+            <a:avLst/>
+          </a:prstGeom>
+        </p:spPr>
+        <p:txBody>
+          <a:bodyPr vert="horz" lIns="91440" tIns="45720" rIns="91440" bIns="45720" rtlCol="0" anchor="b"/>
+          <a:lstStyle>
+            <a:lvl1pPr algn="r">
+              <a:defRPr sz="1200"/>
+            </a:lvl1pPr>
+          </a:lstStyle>
+          <a:p>
+            <a:fld id="{8E3BBEAD-30E9-4508-8CAD-7AAFB547238E}" type="slidenum">
+              <a:rPr kumimoji="1" lang="ja-JP" altLang="en-US" smtClean="0"/>
+              <a:t>‹#›</a:t>
+            </a:fld>
+            <a:endParaRPr kumimoji="1" lang="ja-JP" altLang="en-US"/>
+          </a:p>
+        </p:txBody>
+      </p:sp>
+    </p:spTree>
+    <p:extLst>
+      <p:ext uri="{BB962C8B-B14F-4D97-AF65-F5344CB8AC3E}">
+        <p14:creationId xmlns:p14="http://schemas.microsoft.com/office/powerpoint/2010/main" val="3080120002"/>
+      </p:ext>
+    </p:extLst>
+  </p:cSld>
+  <p:clrMap bg1="lt1" tx1="dk1" bg2="lt2" tx2="dk2" accent1="accent1" accent2="accent2" accent3="accent3" accent4="accent4" accent5="accent5" accent6="accent6" hlink="hlink" folHlink="folHlink"/>
+  <p:notesStyle>
+    <a:lvl1pPr marL="0" algn="l" defTabSz="914400" rtl="0" eaLnBrk="1" latinLnBrk="0" hangingPunct="1">
+      <a:defRPr kumimoji="1" sz="1200" kern="1200">
+        <a:solidFill>
+          <a:schemeClr val="tx1"/>
+        </a:solidFill>
+        <a:latin typeface="+mn-lt"/>
+        <a:ea typeface="+mn-ea"/>
+        <a:cs typeface="+mn-cs"/>
+      </a:defRPr>
+    </a:lvl1pPr>
+    <a:lvl2pPr marL="457200" algn="l" defTabSz="914400" rtl="0" eaLnBrk="1" latinLnBrk="0" hangingPunct="1">
+      <a:defRPr kumimoji="1" sz="1200" kern="1200">
+        <a:solidFill>
+          <a:schemeClr val="tx1"/>
+        </a:solidFill>
+        <a:latin typeface="+mn-lt"/>
+        <a:ea typeface="+mn-ea"/>
+        <a:cs typeface="+mn-cs"/>
+      </a:defRPr>
+    </a:lvl2pPr>
+    <a:lvl3pPr marL="914400" algn="l" defTabSz="914400" rtl="0" eaLnBrk="1" latinLnBrk="0" hangingPunct="1">
+      <a:defRPr kumimoji="1" sz="1200" kern="1200">
+        <a:solidFill>
+          <a:schemeClr val="tx1"/>
+        </a:solidFill>
+        <a:latin typeface="+mn-lt"/>
+        <a:ea typeface="+mn-ea"/>
+        <a:cs typeface="+mn-cs"/>
+      </a:defRPr>
+    </a:lvl3pPr>
+    <a:lvl4pPr marL="1371600" algn="l" defTabSz="914400" rtl="0" eaLnBrk="1" latinLnBrk="0" hangingPunct="1">
+      <a:defRPr kumimoji="1" sz="1200" kern="1200">
+        <a:solidFill>
+          <a:schemeClr val="tx1"/>
+        </a:solidFill>
+        <a:latin typeface="+mn-lt"/>
+        <a:ea typeface="+mn-ea"/>
+        <a:cs typeface="+mn-cs"/>
+      </a:defRPr>
+    </a:lvl4pPr>
+    <a:lvl5pPr marL="1828800" algn="l" defTabSz="914400" rtl="0" eaLnBrk="1" latinLnBrk="0" hangingPunct="1">
+      <a:defRPr kumimoji="1" sz="1200" kern="1200">
+        <a:solidFill>
+          <a:schemeClr val="tx1"/>
+        </a:solidFill>
+        <a:latin typeface="+mn-lt"/>
+        <a:ea typeface="+mn-ea"/>
+        <a:cs typeface="+mn-cs"/>
+      </a:defRPr>
+    </a:lvl5pPr>
+    <a:lvl6pPr marL="2286000" algn="l" defTabSz="914400" rtl="0" eaLnBrk="1" latinLnBrk="0" hangingPunct="1">
+      <a:defRPr kumimoji="1" sz="1200" kern="1200">
+        <a:solidFill>
+          <a:schemeClr val="tx1"/>
+        </a:solidFill>
+        <a:latin typeface="+mn-lt"/>
+        <a:ea typeface="+mn-ea"/>
+        <a:cs typeface="+mn-cs"/>
+      </a:defRPr>
+    </a:lvl6pPr>
+    <a:lvl7pPr marL="2743200" algn="l" defTabSz="914400" rtl="0" eaLnBrk="1" latinLnBrk="0" hangingPunct="1">
+      <a:defRPr kumimoji="1" sz="1200" kern="1200">
+        <a:solidFill>
+          <a:schemeClr val="tx1"/>
+        </a:solidFill>
+        <a:latin typeface="+mn-lt"/>
+        <a:ea typeface="+mn-ea"/>
+        <a:cs typeface="+mn-cs"/>
+      </a:defRPr>
+    </a:lvl7pPr>
+    <a:lvl8pPr marL="3200400" algn="l" defTabSz="914400" rtl="0" eaLnBrk="1" latinLnBrk="0" hangingPunct="1">
+      <a:defRPr kumimoji="1" sz="1200" kern="1200">
+        <a:solidFill>
+          <a:schemeClr val="tx1"/>
+        </a:solidFill>
+        <a:latin typeface="+mn-lt"/>
+        <a:ea typeface="+mn-ea"/>
+        <a:cs typeface="+mn-cs"/>
+      </a:defRPr>
+    </a:lvl8pPr>
+    <a:lvl9pPr marL="3657600" algn="l" defTabSz="914400" rtl="0" eaLnBrk="1" latinLnBrk="0" hangingPunct="1">
+      <a:defRPr kumimoji="1" sz="1200" kern="1200">
+        <a:solidFill>
+          <a:schemeClr val="tx1"/>
+        </a:solidFill>
+        <a:latin typeface="+mn-lt"/>
+        <a:ea typeface="+mn-ea"/>
+        <a:cs typeface="+mn-cs"/>
+      </a:defRPr>
+    </a:lvl9pPr>
+  </p:notesStyle>
+</p:notesMaster>
+</file>
+
+<file path=ppt/notesSlides/notesSlide1.xml><?xml version="1.0" encoding="utf-8"?>
+<p:notes xmlns:a="http://schemas.openxmlformats.org/drawingml/2006/main" xmlns:r="http://schemas.openxmlformats.org/officeDocument/2006/relationships" xmlns:p="http://schemas.openxmlformats.org/presentationml/2006/main">
+  <p:cSld>
+    <p:spTree>
+      <p:nvGrpSpPr>
+        <p:cNvPr id="1" name=""/>
+        <p:cNvGrpSpPr/>
+        <p:nvPr/>
+      </p:nvGrpSpPr>
+      <p:grpSpPr>
+        <a:xfrm>
+          <a:off x="0" y="0"/>
+          <a:ext cx="0" cy="0"/>
+          <a:chOff x="0" y="0"/>
+          <a:chExt cx="0" cy="0"/>
+        </a:xfrm>
+      </p:grpSpPr>
+      <p:sp>
+        <p:nvSpPr>
+          <p:cNvPr id="2" name="スライド イメージ プレースホルダー 1"/>
+          <p:cNvSpPr>
+            <a:spLocks noGrp="1" noRot="1" noChangeAspect="1"/>
+          </p:cNvSpPr>
+          <p:nvPr>
+            <p:ph type="sldImg"/>
+          </p:nvPr>
+        </p:nvSpPr>
+        <p:spPr/>
+      </p:sp>
+      <p:sp>
+        <p:nvSpPr>
+          <p:cNvPr id="3" name="ノート プレースホルダー 2"/>
+          <p:cNvSpPr>
+            <a:spLocks noGrp="1"/>
+          </p:cNvSpPr>
+          <p:nvPr>
+            <p:ph type="body" idx="1"/>
+          </p:nvPr>
+        </p:nvSpPr>
+        <p:spPr/>
+        <p:txBody>
+          <a:bodyPr/>
+          <a:lstStyle/>
+          <a:p>
+            <a:r>
+              <a:rPr kumimoji="1" lang="ja-JP" altLang="en-US" dirty="0"/>
+              <a:t>それでは、進捗を</a:t>
+            </a:r>
+            <a:r>
+              <a:rPr kumimoji="1" lang="en-US" altLang="ja-JP" dirty="0"/>
+              <a:t>B4</a:t>
+            </a:r>
+            <a:r>
+              <a:rPr kumimoji="1" lang="ja-JP" altLang="en-US" dirty="0"/>
+              <a:t>の上坂が発表します。</a:t>
+            </a:r>
+          </a:p>
+        </p:txBody>
+      </p:sp>
+      <p:sp>
+        <p:nvSpPr>
+          <p:cNvPr id="4" name="スライド番号プレースホルダー 3"/>
+          <p:cNvSpPr>
+            <a:spLocks noGrp="1"/>
+          </p:cNvSpPr>
+          <p:nvPr>
+            <p:ph type="sldNum" sz="quarter" idx="5"/>
+          </p:nvPr>
+        </p:nvSpPr>
+        <p:spPr/>
+        <p:txBody>
+          <a:bodyPr/>
+          <a:lstStyle/>
+          <a:p>
+            <a:fld id="{8E3BBEAD-30E9-4508-8CAD-7AAFB547238E}" type="slidenum">
+              <a:rPr kumimoji="1" lang="ja-JP" altLang="en-US" smtClean="0"/>
+              <a:t>1</a:t>
+            </a:fld>
+            <a:endParaRPr kumimoji="1" lang="ja-JP" altLang="en-US"/>
+          </a:p>
+        </p:txBody>
+      </p:sp>
+    </p:spTree>
+    <p:extLst>
+      <p:ext uri="{BB962C8B-B14F-4D97-AF65-F5344CB8AC3E}">
+        <p14:creationId xmlns:p14="http://schemas.microsoft.com/office/powerpoint/2010/main" val="874312433"/>
+      </p:ext>
+    </p:extLst>
+  </p:cSld>
+  <p:clrMapOvr>
+    <a:masterClrMapping/>
+  </p:clrMapOvr>
+</p:notes>
+</file>
+
+<file path=ppt/notesSlides/notesSlide2.xml><?xml version="1.0" encoding="utf-8"?>
+<p:notes xmlns:a="http://schemas.openxmlformats.org/drawingml/2006/main" xmlns:r="http://schemas.openxmlformats.org/officeDocument/2006/relationships" xmlns:p="http://schemas.openxmlformats.org/presentationml/2006/main">
+  <p:cSld>
+    <p:spTree>
+      <p:nvGrpSpPr>
+        <p:cNvPr id="1" name=""/>
+        <p:cNvGrpSpPr/>
+        <p:nvPr/>
+      </p:nvGrpSpPr>
+      <p:grpSpPr>
+        <a:xfrm>
+          <a:off x="0" y="0"/>
+          <a:ext cx="0" cy="0"/>
+          <a:chOff x="0" y="0"/>
+          <a:chExt cx="0" cy="0"/>
+        </a:xfrm>
+      </p:grpSpPr>
+      <p:sp>
+        <p:nvSpPr>
+          <p:cNvPr id="2" name="スライド イメージ プレースホルダー 1"/>
+          <p:cNvSpPr>
+            <a:spLocks noGrp="1" noRot="1" noChangeAspect="1"/>
+          </p:cNvSpPr>
+          <p:nvPr>
+            <p:ph type="sldImg"/>
+          </p:nvPr>
+        </p:nvSpPr>
+        <p:spPr/>
+      </p:sp>
+      <p:sp>
+        <p:nvSpPr>
+          <p:cNvPr id="3" name="ノート プレースホルダー 2"/>
+          <p:cNvSpPr>
+            <a:spLocks noGrp="1"/>
+          </p:cNvSpPr>
+          <p:nvPr>
+            <p:ph type="body" idx="1"/>
+          </p:nvPr>
+        </p:nvSpPr>
+        <p:spPr/>
+        <p:txBody>
+          <a:bodyPr/>
+          <a:lstStyle/>
+          <a:p>
+            <a:r>
+              <a:rPr kumimoji="1" lang="ja-JP" altLang="en-US" dirty="0"/>
+              <a:t>もくじです。</a:t>
+            </a:r>
+            <a:endParaRPr kumimoji="1" lang="en-US" altLang="ja-JP" dirty="0"/>
+          </a:p>
+          <a:p>
+            <a:r>
+              <a:rPr kumimoji="1" lang="ja-JP" altLang="en-US" dirty="0"/>
+              <a:t>先週・今週に何をしたのか　簡単にまとめました。</a:t>
+            </a:r>
+          </a:p>
+        </p:txBody>
+      </p:sp>
+      <p:sp>
+        <p:nvSpPr>
+          <p:cNvPr id="4" name="スライド番号プレースホルダー 3"/>
+          <p:cNvSpPr>
+            <a:spLocks noGrp="1"/>
+          </p:cNvSpPr>
+          <p:nvPr>
+            <p:ph type="sldNum" sz="quarter" idx="5"/>
+          </p:nvPr>
+        </p:nvSpPr>
+        <p:spPr/>
+        <p:txBody>
+          <a:bodyPr/>
+          <a:lstStyle/>
+          <a:p>
+            <a:fld id="{8E3BBEAD-30E9-4508-8CAD-7AAFB547238E}" type="slidenum">
+              <a:rPr kumimoji="1" lang="ja-JP" altLang="en-US" smtClean="0"/>
+              <a:t>2</a:t>
+            </a:fld>
+            <a:endParaRPr kumimoji="1" lang="ja-JP" altLang="en-US"/>
+          </a:p>
+        </p:txBody>
+      </p:sp>
+    </p:spTree>
+    <p:extLst>
+      <p:ext uri="{BB962C8B-B14F-4D97-AF65-F5344CB8AC3E}">
+        <p14:creationId xmlns:p14="http://schemas.microsoft.com/office/powerpoint/2010/main" val="2083222176"/>
+      </p:ext>
+    </p:extLst>
+  </p:cSld>
+  <p:clrMapOvr>
+    <a:masterClrMapping/>
+  </p:clrMapOvr>
+</p:notes>
+</file>
+
+<file path=ppt/notesSlides/notesSlide3.xml><?xml version="1.0" encoding="utf-8"?>
+<p:notes xmlns:a="http://schemas.openxmlformats.org/drawingml/2006/main" xmlns:r="http://schemas.openxmlformats.org/officeDocument/2006/relationships" xmlns:p="http://schemas.openxmlformats.org/presentationml/2006/main">
+  <p:cSld>
+    <p:spTree>
+      <p:nvGrpSpPr>
+        <p:cNvPr id="1" name=""/>
+        <p:cNvGrpSpPr/>
+        <p:nvPr/>
+      </p:nvGrpSpPr>
+      <p:grpSpPr>
+        <a:xfrm>
+          <a:off x="0" y="0"/>
+          <a:ext cx="0" cy="0"/>
+          <a:chOff x="0" y="0"/>
+          <a:chExt cx="0" cy="0"/>
+        </a:xfrm>
+      </p:grpSpPr>
+      <p:sp>
+        <p:nvSpPr>
+          <p:cNvPr id="2" name="スライド イメージ プレースホルダー 1"/>
+          <p:cNvSpPr>
+            <a:spLocks noGrp="1" noRot="1" noChangeAspect="1"/>
+          </p:cNvSpPr>
+          <p:nvPr>
+            <p:ph type="sldImg"/>
+          </p:nvPr>
+        </p:nvSpPr>
+        <p:spPr/>
+      </p:sp>
+      <p:sp>
+        <p:nvSpPr>
+          <p:cNvPr id="3" name="ノート プレースホルダー 2"/>
+          <p:cNvSpPr>
+            <a:spLocks noGrp="1"/>
+          </p:cNvSpPr>
+          <p:nvPr>
+            <p:ph type="body" idx="1"/>
+          </p:nvPr>
+        </p:nvSpPr>
+        <p:spPr/>
+        <p:txBody>
+          <a:bodyPr/>
+          <a:lstStyle/>
+          <a:p>
+            <a:endParaRPr kumimoji="1" lang="ja-JP" altLang="en-US"/>
+          </a:p>
+        </p:txBody>
+      </p:sp>
+      <p:sp>
+        <p:nvSpPr>
+          <p:cNvPr id="4" name="スライド番号プレースホルダー 3"/>
+          <p:cNvSpPr>
+            <a:spLocks noGrp="1"/>
+          </p:cNvSpPr>
+          <p:nvPr>
+            <p:ph type="sldNum" sz="quarter" idx="5"/>
+          </p:nvPr>
+        </p:nvSpPr>
+        <p:spPr/>
+        <p:txBody>
+          <a:bodyPr/>
+          <a:lstStyle/>
+          <a:p>
+            <a:fld id="{8E3BBEAD-30E9-4508-8CAD-7AAFB547238E}" type="slidenum">
+              <a:rPr kumimoji="1" lang="ja-JP" altLang="en-US" smtClean="0"/>
+              <a:t>5</a:t>
+            </a:fld>
+            <a:endParaRPr kumimoji="1" lang="ja-JP" altLang="en-US"/>
+          </a:p>
+        </p:txBody>
+      </p:sp>
+    </p:spTree>
+    <p:extLst>
+      <p:ext uri="{BB962C8B-B14F-4D97-AF65-F5344CB8AC3E}">
+        <p14:creationId xmlns:p14="http://schemas.microsoft.com/office/powerpoint/2010/main" val="3355426212"/>
+      </p:ext>
+    </p:extLst>
+  </p:cSld>
+  <p:clrMapOvr>
+    <a:masterClrMapping/>
+  </p:clrMapOvr>
+</p:notes>
+</file>
+
 <file path=ppt/slideLayouts/slideLayout1.xml><?xml version="1.0" encoding="utf-8"?>
 <p:sldLayout xmlns:a="http://schemas.openxmlformats.org/drawingml/2006/main" xmlns:r="http://schemas.openxmlformats.org/officeDocument/2006/relationships" xmlns:p="http://schemas.openxmlformats.org/presentationml/2006/main" showMasterSp="0" type="title" preserve="1">
   <p:cSld name="タイトル スライド">
@@ -343,7 +999,7 @@
           <a:p>
             <a:fld id="{A423BF71-38B7-8642-BFCE-EDAE9BD0CBAF}" type="datetimeFigureOut">
               <a:rPr lang="en-US" smtClean="0"/>
-              <a:t>7/22/2025</a:t>
+              <a:t>7/23/2025</a:t>
             </a:fld>
             <a:endParaRPr lang="en-US" dirty="0"/>
           </a:p>
@@ -583,7 +1239,7 @@
           <a:p>
             <a:fld id="{73B025CB-9D18-264E-A945-2D020344C9DA}" type="datetimeFigureOut">
               <a:rPr lang="en-US" smtClean="0"/>
-              <a:t>7/22/2025</a:t>
+              <a:t>7/23/2025</a:t>
             </a:fld>
             <a:endParaRPr lang="en-US" dirty="0"/>
           </a:p>
@@ -871,7 +1527,7 @@
           <a:p>
             <a:fld id="{507EFB6C-7E96-8F41-8872-189CA1C59F84}" type="datetimeFigureOut">
               <a:rPr lang="en-US" smtClean="0"/>
-              <a:t>7/22/2025</a:t>
+              <a:t>7/23/2025</a:t>
             </a:fld>
             <a:endParaRPr lang="en-US" dirty="0"/>
           </a:p>
@@ -1077,7 +1733,7 @@
           <a:p>
             <a:fld id="{B6981CDE-9BE7-C544-8ACB-7077DFC4270F}" type="datetimeFigureOut">
               <a:rPr lang="en-US" smtClean="0"/>
-              <a:t>7/22/2025</a:t>
+              <a:t>7/23/2025</a:t>
             </a:fld>
             <a:endParaRPr lang="en-US" dirty="0"/>
           </a:p>
@@ -1420,7 +2076,7 @@
           <a:p>
             <a:fld id="{B55BA285-9698-1B45-8319-D90A8C63F150}" type="datetimeFigureOut">
               <a:rPr lang="en-US" smtClean="0"/>
-              <a:t>7/22/2025</a:t>
+              <a:t>7/23/2025</a:t>
             </a:fld>
             <a:endParaRPr lang="en-US" dirty="0"/>
           </a:p>
@@ -1759,7 +2415,7 @@
           <a:p>
             <a:fld id="{0A86CD42-43FF-B740-998F-DCC3802C4CE3}" type="datetimeFigureOut">
               <a:rPr lang="en-US" smtClean="0"/>
-              <a:t>7/22/2025</a:t>
+              <a:t>7/23/2025</a:t>
             </a:fld>
             <a:endParaRPr lang="en-US" dirty="0"/>
           </a:p>
@@ -2202,7 +2858,7 @@
           <a:p>
             <a:fld id="{CEA0FFBD-2EE4-8547-BBAE-A1AC91C8D77E}" type="datetimeFigureOut">
               <a:rPr lang="en-US" smtClean="0"/>
-              <a:t>7/22/2025</a:t>
+              <a:t>7/23/2025</a:t>
             </a:fld>
             <a:endParaRPr lang="en-US" dirty="0"/>
           </a:p>
@@ -2320,7 +2976,7 @@
           <a:p>
             <a:fld id="{955A2352-D7AC-F242-9256-A4477BCBF354}" type="datetimeFigureOut">
               <a:rPr lang="en-US" smtClean="0"/>
-              <a:t>7/22/2025</a:t>
+              <a:t>7/23/2025</a:t>
             </a:fld>
             <a:endParaRPr lang="en-US" dirty="0"/>
           </a:p>
@@ -2491,7 +3147,7 @@
           <a:p>
             <a:fld id="{4EFCFC6A-9AE6-404D-9FDD-168B477B9C90}" type="datetimeFigureOut">
               <a:rPr lang="en-US" smtClean="0"/>
-              <a:t>7/22/2025</a:t>
+              <a:t>7/23/2025</a:t>
             </a:fld>
             <a:endParaRPr lang="en-US" dirty="0"/>
           </a:p>
@@ -2877,7 +3533,7 @@
           <a:p>
             <a:fld id="{61CFCDFD-B4CF-A241-8D71-E814B10BEAF4}" type="datetimeFigureOut">
               <a:rPr lang="en-US" smtClean="0"/>
-              <a:t>7/22/2025</a:t>
+              <a:t>7/23/2025</a:t>
             </a:fld>
             <a:endParaRPr lang="en-US" dirty="0"/>
           </a:p>
@@ -3259,7 +3915,7 @@
           <a:p>
             <a:fld id="{26A7B589-FD4B-7E46-869A-CBADC5FC564E}" type="datetimeFigureOut">
               <a:rPr lang="en-US" smtClean="0"/>
-              <a:t>7/22/2025</a:t>
+              <a:t>7/23/2025</a:t>
             </a:fld>
             <a:endParaRPr lang="en-US" dirty="0"/>
           </a:p>
@@ -3578,7 +4234,7 @@
           <a:p>
             <a:fld id="{4CD8A92E-5FF9-8143-81B3-CCB531513398}" type="datetimeFigureOut">
               <a:rPr lang="en-US" smtClean="0"/>
-              <a:t>7/22/2025</a:t>
+              <a:t>7/23/2025</a:t>
             </a:fld>
             <a:endParaRPr lang="en-US" dirty="0"/>
           </a:p>
@@ -4122,15 +4778,17 @@
         </p:nvSpPr>
         <p:spPr/>
         <p:txBody>
-          <a:bodyPr/>
+          <a:bodyPr>
+            <a:normAutofit/>
+          </a:bodyPr>
           <a:lstStyle/>
           <a:p>
             <a:pPr algn="ctr"/>
             <a:r>
-              <a:rPr lang="ja-JP" altLang="en-US" dirty="0"/>
+              <a:rPr lang="ja-JP" altLang="en-US" sz="6000" dirty="0"/>
               <a:t>進捗報告１</a:t>
             </a:r>
-            <a:endParaRPr kumimoji="1" lang="ja-JP" altLang="en-US" dirty="0"/>
+            <a:endParaRPr kumimoji="1" lang="ja-JP" altLang="en-US" sz="6000" dirty="0"/>
           </a:p>
         </p:txBody>
       </p:sp>
@@ -4149,7 +4807,7 @@
         <p:spPr>
           <a:xfrm>
             <a:off x="3970697" y="5588244"/>
-            <a:ext cx="3899138" cy="584775"/>
+            <a:ext cx="3899138" cy="461665"/>
           </a:xfrm>
           <a:prstGeom prst="rect">
             <a:avLst/>
@@ -4164,26 +4822,26 @@
           <a:p>
             <a:pPr algn="ctr"/>
             <a:r>
-              <a:rPr lang="en-US" altLang="ja-JP" sz="3200" dirty="0">
+              <a:rPr lang="en-US" altLang="ja-JP" sz="2400" dirty="0">
                 <a:latin typeface="+mj-ea"/>
                 <a:ea typeface="+mj-ea"/>
               </a:rPr>
               <a:t>B4</a:t>
             </a:r>
             <a:r>
-              <a:rPr lang="ja-JP" altLang="en-US" sz="3200" dirty="0">
+              <a:rPr lang="ja-JP" altLang="en-US" sz="2400" dirty="0">
                 <a:latin typeface="+mj-ea"/>
                 <a:ea typeface="+mj-ea"/>
               </a:rPr>
               <a:t>　上坂</a:t>
             </a:r>
             <a:r>
-              <a:rPr lang="ja-JP" altLang="en-US" sz="3200" dirty="0">
+              <a:rPr lang="ja-JP" altLang="en-US" sz="2400" dirty="0">
                 <a:ea typeface="+mj-ea"/>
               </a:rPr>
               <a:t>　大樹</a:t>
             </a:r>
-            <a:endParaRPr lang="en-JP" sz="3200" baseline="0" dirty="0">
+            <a:endParaRPr lang="en-JP" sz="2400" baseline="0" dirty="0">
               <a:latin typeface="+mn-lt"/>
               <a:ea typeface="+mj-ea"/>
             </a:endParaRPr>
@@ -4238,12 +4896,14 @@
         </p:nvSpPr>
         <p:spPr/>
         <p:txBody>
-          <a:bodyPr/>
-          <a:lstStyle/>
-          <a:p>
-            <a:r>
-              <a:rPr kumimoji="1" lang="ja-JP" altLang="en-US" dirty="0"/>
-              <a:t>もくじ　何したか</a:t>
+          <a:bodyPr>
+            <a:normAutofit/>
+          </a:bodyPr>
+          <a:lstStyle/>
+          <a:p>
+            <a:r>
+              <a:rPr kumimoji="1" lang="ja-JP" altLang="en-US" sz="4000" dirty="0"/>
+              <a:t>もくじ</a:t>
             </a:r>
           </a:p>
         </p:txBody>
@@ -4273,14 +4933,14 @@
           <a:p>
             <a:r>
               <a:rPr kumimoji="1" lang="ja-JP" altLang="en-US" sz="2800" dirty="0"/>
-              <a:t>・論文読んだ</a:t>
+              <a:t>・サーベイ</a:t>
             </a:r>
             <a:endParaRPr kumimoji="1" lang="en-US" altLang="ja-JP" sz="2800" dirty="0"/>
           </a:p>
           <a:p>
             <a:r>
               <a:rPr lang="ja-JP" altLang="en-US" sz="2800" dirty="0"/>
-              <a:t>・方向性決めた</a:t>
+              <a:t>・これからの方向性を決定</a:t>
             </a:r>
             <a:endParaRPr lang="en-US" altLang="ja-JP" sz="2800" dirty="0"/>
           </a:p>
@@ -4295,7 +4955,7 @@
             </a:r>
             <a:r>
               <a:rPr kumimoji="1" lang="ja-JP" altLang="en-US" sz="2800" dirty="0"/>
-              <a:t>復習を兼ねて実験をした</a:t>
+              <a:t>の復習を兼ねて簡単な実験</a:t>
             </a:r>
             <a:endParaRPr kumimoji="1" lang="en-US" altLang="ja-JP" sz="2800" dirty="0"/>
           </a:p>
@@ -4355,12 +5015,14 @@
         </p:nvSpPr>
         <p:spPr/>
         <p:txBody>
-          <a:bodyPr/>
-          <a:lstStyle/>
-          <a:p>
-            <a:r>
-              <a:rPr kumimoji="1" lang="ja-JP" altLang="en-US" dirty="0"/>
-              <a:t>論文読んだ</a:t>
+          <a:bodyPr>
+            <a:normAutofit/>
+          </a:bodyPr>
+          <a:lstStyle/>
+          <a:p>
+            <a:r>
+              <a:rPr kumimoji="1" lang="ja-JP" altLang="en-US" sz="4000" dirty="0"/>
+              <a:t>サーベイ</a:t>
             </a:r>
           </a:p>
         </p:txBody>
@@ -4386,7 +5048,44 @@
           <a:bodyPr/>
           <a:lstStyle/>
           <a:p>
-            <a:endParaRPr kumimoji="1" lang="ja-JP" altLang="en-US"/>
+            <a:r>
+              <a:rPr kumimoji="1" lang="ja-JP" altLang="en-US" dirty="0"/>
+              <a:t>・シヌソイド位置埋め込み</a:t>
+            </a:r>
+            <a:endParaRPr kumimoji="1" lang="en-US" altLang="ja-JP" dirty="0"/>
+          </a:p>
+          <a:p>
+            <a:r>
+              <a:rPr lang="ja-JP" altLang="en-US" dirty="0"/>
+              <a:t>・統一モデル異常検知における</a:t>
+            </a:r>
+            <a:r>
+              <a:rPr lang="en-US" altLang="ja-JP" dirty="0"/>
+              <a:t>Transformer</a:t>
+            </a:r>
+            <a:r>
+              <a:rPr lang="ja-JP" altLang="en-US" dirty="0"/>
+              <a:t>の恒等コピー対策</a:t>
+            </a:r>
+            <a:endParaRPr lang="en-US" altLang="ja-JP" dirty="0"/>
+          </a:p>
+          <a:p>
+            <a:r>
+              <a:rPr lang="ja-JP" altLang="en-US"/>
+              <a:t>・</a:t>
+            </a:r>
+            <a:r>
+              <a:rPr kumimoji="1" lang="ja-JP" altLang="en-US"/>
+              <a:t>逆蒸留</a:t>
+            </a:r>
+            <a:r>
+              <a:rPr kumimoji="1" lang="ja-JP" altLang="en-US" dirty="0"/>
+              <a:t>を使った異常検知（知識蒸留ベース）</a:t>
+            </a:r>
+            <a:endParaRPr kumimoji="1" lang="en-US" altLang="ja-JP" dirty="0"/>
+          </a:p>
+          <a:p>
+            <a:endParaRPr kumimoji="1" lang="ja-JP" altLang="en-US" dirty="0"/>
           </a:p>
         </p:txBody>
       </p:sp>
@@ -4438,11 +5137,13 @@
         </p:nvSpPr>
         <p:spPr/>
         <p:txBody>
-          <a:bodyPr/>
-          <a:lstStyle/>
-          <a:p>
-            <a:r>
-              <a:rPr kumimoji="1" lang="ja-JP" altLang="en-US" dirty="0"/>
+          <a:bodyPr>
+            <a:normAutofit/>
+          </a:bodyPr>
+          <a:lstStyle/>
+          <a:p>
+            <a:r>
+              <a:rPr kumimoji="1" lang="ja-JP" altLang="en-US" sz="4000" dirty="0"/>
               <a:t>方向性を決めた</a:t>
             </a:r>
           </a:p>
@@ -4532,18 +5233,20 @@
         </p:nvSpPr>
         <p:spPr/>
         <p:txBody>
-          <a:bodyPr/>
-          <a:lstStyle/>
-          <a:p>
-            <a:r>
-              <a:rPr lang="en-US" altLang="ja-JP" dirty="0" err="1"/>
+          <a:bodyPr>
+            <a:normAutofit/>
+          </a:bodyPr>
+          <a:lstStyle/>
+          <a:p>
+            <a:r>
+              <a:rPr lang="en-US" altLang="ja-JP" sz="4000" dirty="0" err="1"/>
               <a:t>Pytorch</a:t>
             </a:r>
             <a:r>
-              <a:rPr lang="ja-JP" altLang="en-US" dirty="0"/>
-              <a:t>復習兼ねて簡単な実験した</a:t>
-            </a:r>
-            <a:endParaRPr kumimoji="1" lang="ja-JP" altLang="en-US" dirty="0"/>
+              <a:rPr lang="ja-JP" altLang="en-US" sz="4000" dirty="0"/>
+              <a:t>の復習を兼ねた簡単な実験</a:t>
+            </a:r>
+            <a:endParaRPr kumimoji="1" lang="ja-JP" altLang="en-US" sz="4000" dirty="0"/>
           </a:p>
         </p:txBody>
       </p:sp>
@@ -4562,7 +5265,7 @@
           <p:nvPr/>
         </p:nvPicPr>
         <p:blipFill>
-          <a:blip r:embed="rId2"/>
+          <a:blip r:embed="rId3"/>
           <a:stretch>
             <a:fillRect/>
           </a:stretch>
@@ -4592,7 +5295,7 @@
           <p:nvPr/>
         </p:nvPicPr>
         <p:blipFill>
-          <a:blip r:embed="rId3"/>
+          <a:blip r:embed="rId4"/>
           <a:stretch>
             <a:fillRect/>
           </a:stretch>
@@ -4622,7 +5325,7 @@
           <p:nvPr/>
         </p:nvPicPr>
         <p:blipFill>
-          <a:blip r:embed="rId4"/>
+          <a:blip r:embed="rId5"/>
           <a:stretch>
             <a:fillRect/>
           </a:stretch>
@@ -4641,89 +5344,6 @@
     <p:extLst>
       <p:ext uri="{BB962C8B-B14F-4D97-AF65-F5344CB8AC3E}">
         <p14:creationId xmlns:p14="http://schemas.microsoft.com/office/powerpoint/2010/main" val="2368344524"/>
-      </p:ext>
-    </p:extLst>
-  </p:cSld>
-  <p:clrMapOvr>
-    <a:masterClrMapping/>
-  </p:clrMapOvr>
-</p:sld>
-</file>
-
-<file path=ppt/slides/slide6.xml><?xml version="1.0" encoding="utf-8"?>
-<p:sld xmlns:a="http://schemas.openxmlformats.org/drawingml/2006/main" xmlns:r="http://schemas.openxmlformats.org/officeDocument/2006/relationships" xmlns:p="http://schemas.openxmlformats.org/presentationml/2006/main">
-  <p:cSld>
-    <p:spTree>
-      <p:nvGrpSpPr>
-        <p:cNvPr id="1" name=""/>
-        <p:cNvGrpSpPr/>
-        <p:nvPr/>
-      </p:nvGrpSpPr>
-      <p:grpSpPr>
-        <a:xfrm>
-          <a:off x="0" y="0"/>
-          <a:ext cx="0" cy="0"/>
-          <a:chOff x="0" y="0"/>
-          <a:chExt cx="0" cy="0"/>
-        </a:xfrm>
-      </p:grpSpPr>
-      <p:sp>
-        <p:nvSpPr>
-          <p:cNvPr id="2" name="タイトル 1">
-            <a:extLst>
-              <a:ext uri="{FF2B5EF4-FFF2-40B4-BE49-F238E27FC236}">
-                <a16:creationId xmlns:a16="http://schemas.microsoft.com/office/drawing/2014/main" id="{B3BBD730-733D-4645-BA57-54E5F2092AB8}"/>
-              </a:ext>
-            </a:extLst>
-          </p:cNvPr>
-          <p:cNvSpPr>
-            <a:spLocks noGrp="1"/>
-          </p:cNvSpPr>
-          <p:nvPr>
-            <p:ph type="title"/>
-          </p:nvPr>
-        </p:nvSpPr>
-        <p:spPr/>
-        <p:txBody>
-          <a:bodyPr/>
-          <a:lstStyle/>
-          <a:p>
-            <a:r>
-              <a:rPr kumimoji="1" lang="ja-JP" altLang="en-US" dirty="0"/>
-              <a:t>読んだ論文を貼る</a:t>
-            </a:r>
-          </a:p>
-        </p:txBody>
-      </p:sp>
-      <p:sp>
-        <p:nvSpPr>
-          <p:cNvPr id="3" name="コンテンツ プレースホルダー 2">
-            <a:extLst>
-              <a:ext uri="{FF2B5EF4-FFF2-40B4-BE49-F238E27FC236}">
-                <a16:creationId xmlns:a16="http://schemas.microsoft.com/office/drawing/2014/main" id="{F95AF771-6A1A-437E-B57C-61A84E57AFD8}"/>
-              </a:ext>
-            </a:extLst>
-          </p:cNvPr>
-          <p:cNvSpPr>
-            <a:spLocks noGrp="1"/>
-          </p:cNvSpPr>
-          <p:nvPr>
-            <p:ph idx="1"/>
-          </p:nvPr>
-        </p:nvSpPr>
-        <p:spPr/>
-        <p:txBody>
-          <a:bodyPr/>
-          <a:lstStyle/>
-          <a:p>
-            <a:endParaRPr kumimoji="1" lang="ja-JP" altLang="en-US"/>
-          </a:p>
-        </p:txBody>
-      </p:sp>
-    </p:spTree>
-    <p:extLst>
-      <p:ext uri="{BB962C8B-B14F-4D97-AF65-F5344CB8AC3E}">
-        <p14:creationId xmlns:p14="http://schemas.microsoft.com/office/powerpoint/2010/main" val="1234326785"/>
       </p:ext>
     </p:extLst>
   </p:cSld>
@@ -5014,4 +5634,299 @@
     </a:ext>
   </a:extLst>
 </a:theme>
+</file>
+
+<file path=ppt/theme/theme2.xml><?xml version="1.0" encoding="utf-8"?>
+<a:theme xmlns:a="http://schemas.openxmlformats.org/drawingml/2006/main" name="Office テーマ">
+  <a:themeElements>
+    <a:clrScheme name="Office">
+      <a:dk1>
+        <a:sysClr val="windowText" lastClr="000000"/>
+      </a:dk1>
+      <a:lt1>
+        <a:sysClr val="window" lastClr="FFFFFF"/>
+      </a:lt1>
+      <a:dk2>
+        <a:srgbClr val="44546A"/>
+      </a:dk2>
+      <a:lt2>
+        <a:srgbClr val="E7E6E6"/>
+      </a:lt2>
+      <a:accent1>
+        <a:srgbClr val="4472C4"/>
+      </a:accent1>
+      <a:accent2>
+        <a:srgbClr val="ED7D31"/>
+      </a:accent2>
+      <a:accent3>
+        <a:srgbClr val="A5A5A5"/>
+      </a:accent3>
+      <a:accent4>
+        <a:srgbClr val="FFC000"/>
+      </a:accent4>
+      <a:accent5>
+        <a:srgbClr val="5B9BD5"/>
+      </a:accent5>
+      <a:accent6>
+        <a:srgbClr val="70AD47"/>
+      </a:accent6>
+      <a:hlink>
+        <a:srgbClr val="0563C1"/>
+      </a:hlink>
+      <a:folHlink>
+        <a:srgbClr val="954F72"/>
+      </a:folHlink>
+    </a:clrScheme>
+    <a:fontScheme name="Office">
+      <a:majorFont>
+        <a:latin typeface="游ゴシック Light" panose="020F0302020204030204"/>
+        <a:ea typeface=""/>
+        <a:cs typeface=""/>
+        <a:font script="Jpan" typeface="游ゴシック Light"/>
+        <a:font script="Hang" typeface="맑은 고딕"/>
+        <a:font script="Hans" typeface="等线 Light"/>
+        <a:font script="Hant" typeface="新細明體"/>
+        <a:font script="Arab" typeface="Times New Roman"/>
+        <a:font script="Hebr" typeface="Times New Roman"/>
+        <a:font script="Thai" typeface="Angsana New"/>
+        <a:font script="Ethi" typeface="Nyala"/>
+        <a:font script="Beng" typeface="Vrinda"/>
+        <a:font script="Gujr" typeface="Shruti"/>
+        <a:font script="Khmr" typeface="MoolBoran"/>
+        <a:font script="Knda" typeface="Tunga"/>
+        <a:font script="Guru" typeface="Raavi"/>
+        <a:font script="Cans" typeface="Euphemia"/>
+        <a:font script="Cher" typeface="Plantagenet Cherokee"/>
+        <a:font script="Yiii" typeface="Microsoft Yi Baiti"/>
+        <a:font script="Tibt" typeface="Microsoft Himalaya"/>
+        <a:font script="Thaa" typeface="MV Boli"/>
+        <a:font script="Deva" typeface="Mangal"/>
+        <a:font script="Telu" typeface="Gautami"/>
+        <a:font script="Taml" typeface="Latha"/>
+        <a:font script="Syrc" typeface="Estrangelo Edessa"/>
+        <a:font script="Orya" typeface="Kalinga"/>
+        <a:font script="Mlym" typeface="Kartika"/>
+        <a:font script="Laoo" typeface="DokChampa"/>
+        <a:font script="Sinh" typeface="Iskoola Pota"/>
+        <a:font script="Mong" typeface="Mongolian Baiti"/>
+        <a:font script="Viet" typeface="Times New Roman"/>
+        <a:font script="Uigh" typeface="Microsoft Uighur"/>
+        <a:font script="Geor" typeface="Sylfaen"/>
+        <a:font script="Armn" typeface="Arial"/>
+        <a:font script="Bugi" typeface="Leelawadee UI"/>
+        <a:font script="Bopo" typeface="Microsoft JhengHei"/>
+        <a:font script="Java" typeface="Javanese Text"/>
+        <a:font script="Lisu" typeface="Segoe UI"/>
+        <a:font script="Mymr" typeface="Myanmar Text"/>
+        <a:font script="Nkoo" typeface="Ebrima"/>
+        <a:font script="Olck" typeface="Nirmala UI"/>
+        <a:font script="Osma" typeface="Ebrima"/>
+        <a:font script="Phag" typeface="Phagspa"/>
+        <a:font script="Syrn" typeface="Estrangelo Edessa"/>
+        <a:font script="Syrj" typeface="Estrangelo Edessa"/>
+        <a:font script="Syre" typeface="Estrangelo Edessa"/>
+        <a:font script="Sora" typeface="Nirmala UI"/>
+        <a:font script="Tale" typeface="Microsoft Tai Le"/>
+        <a:font script="Talu" typeface="Microsoft New Tai Lue"/>
+        <a:font script="Tfng" typeface="Ebrima"/>
+      </a:majorFont>
+      <a:minorFont>
+        <a:latin typeface="游ゴシック" panose="020F0502020204030204"/>
+        <a:ea typeface=""/>
+        <a:cs typeface=""/>
+        <a:font script="Jpan" typeface="游ゴシック"/>
+        <a:font script="Hang" typeface="맑은 고딕"/>
+        <a:font script="Hans" typeface="等线"/>
+        <a:font script="Hant" typeface="新細明體"/>
+        <a:font script="Arab" typeface="Arial"/>
+        <a:font script="Hebr" typeface="Arial"/>
+        <a:font script="Thai" typeface="Cordia New"/>
+        <a:font script="Ethi" typeface="Nyala"/>
+        <a:font script="Beng" typeface="Vrinda"/>
+        <a:font script="Gujr" typeface="Shruti"/>
+        <a:font script="Khmr" typeface="DaunPenh"/>
+        <a:font script="Knda" typeface="Tunga"/>
+        <a:font script="Guru" typeface="Raavi"/>
+        <a:font script="Cans" typeface="Euphemia"/>
+        <a:font script="Cher" typeface="Plantagenet Cherokee"/>
+        <a:font script="Yiii" typeface="Microsoft Yi Baiti"/>
+        <a:font script="Tibt" typeface="Microsoft Himalaya"/>
+        <a:font script="Thaa" typeface="MV Boli"/>
+        <a:font script="Deva" typeface="Mangal"/>
+        <a:font script="Telu" typeface="Gautami"/>
+        <a:font script="Taml" typeface="Latha"/>
+        <a:font script="Syrc" typeface="Estrangelo Edessa"/>
+        <a:font script="Orya" typeface="Kalinga"/>
+        <a:font script="Mlym" typeface="Kartika"/>
+        <a:font script="Laoo" typeface="DokChampa"/>
+        <a:font script="Sinh" typeface="Iskoola Pota"/>
+        <a:font script="Mong" typeface="Mongolian Baiti"/>
+        <a:font script="Viet" typeface="Arial"/>
+        <a:font script="Uigh" typeface="Microsoft Uighur"/>
+        <a:font script="Geor" typeface="Sylfaen"/>
+        <a:font script="Armn" typeface="Arial"/>
+        <a:font script="Bugi" typeface="Leelawadee UI"/>
+        <a:font script="Bopo" typeface="Microsoft JhengHei"/>
+        <a:font script="Java" typeface="Javanese Text"/>
+        <a:font script="Lisu" typeface="Segoe UI"/>
+        <a:font script="Mymr" typeface="Myanmar Text"/>
+        <a:font script="Nkoo" typeface="Ebrima"/>
+        <a:font script="Olck" typeface="Nirmala UI"/>
+        <a:font script="Osma" typeface="Ebrima"/>
+        <a:font script="Phag" typeface="Phagspa"/>
+        <a:font script="Syrn" typeface="Estrangelo Edessa"/>
+        <a:font script="Syrj" typeface="Estrangelo Edessa"/>
+        <a:font script="Syre" typeface="Estrangelo Edessa"/>
+        <a:font script="Sora" typeface="Nirmala UI"/>
+        <a:font script="Tale" typeface="Microsoft Tai Le"/>
+        <a:font script="Talu" typeface="Microsoft New Tai Lue"/>
+        <a:font script="Tfng" typeface="Ebrima"/>
+      </a:minorFont>
+    </a:fontScheme>
+    <a:fmtScheme name="Office">
+      <a:fillStyleLst>
+        <a:solidFill>
+          <a:schemeClr val="phClr"/>
+        </a:solidFill>
+        <a:gradFill rotWithShape="1">
+          <a:gsLst>
+            <a:gs pos="0">
+              <a:schemeClr val="phClr">
+                <a:lumMod val="110000"/>
+                <a:satMod val="105000"/>
+                <a:tint val="67000"/>
+              </a:schemeClr>
+            </a:gs>
+            <a:gs pos="50000">
+              <a:schemeClr val="phClr">
+                <a:lumMod val="105000"/>
+                <a:satMod val="103000"/>
+                <a:tint val="73000"/>
+              </a:schemeClr>
+            </a:gs>
+            <a:gs pos="100000">
+              <a:schemeClr val="phClr">
+                <a:lumMod val="105000"/>
+                <a:satMod val="109000"/>
+                <a:tint val="81000"/>
+              </a:schemeClr>
+            </a:gs>
+          </a:gsLst>
+          <a:lin ang="5400000" scaled="0"/>
+        </a:gradFill>
+        <a:gradFill rotWithShape="1">
+          <a:gsLst>
+            <a:gs pos="0">
+              <a:schemeClr val="phClr">
+                <a:satMod val="103000"/>
+                <a:lumMod val="102000"/>
+                <a:tint val="94000"/>
+              </a:schemeClr>
+            </a:gs>
+            <a:gs pos="50000">
+              <a:schemeClr val="phClr">
+                <a:satMod val="110000"/>
+                <a:lumMod val="100000"/>
+                <a:shade val="100000"/>
+              </a:schemeClr>
+            </a:gs>
+            <a:gs pos="100000">
+              <a:schemeClr val="phClr">
+                <a:lumMod val="99000"/>
+                <a:satMod val="120000"/>
+                <a:shade val="78000"/>
+              </a:schemeClr>
+            </a:gs>
+          </a:gsLst>
+          <a:lin ang="5400000" scaled="0"/>
+        </a:gradFill>
+      </a:fillStyleLst>
+      <a:lnStyleLst>
+        <a:ln w="6350" cap="flat" cmpd="sng" algn="ctr">
+          <a:solidFill>
+            <a:schemeClr val="phClr"/>
+          </a:solidFill>
+          <a:prstDash val="solid"/>
+          <a:miter lim="800000"/>
+        </a:ln>
+        <a:ln w="12700" cap="flat" cmpd="sng" algn="ctr">
+          <a:solidFill>
+            <a:schemeClr val="phClr"/>
+          </a:solidFill>
+          <a:prstDash val="solid"/>
+          <a:miter lim="800000"/>
+        </a:ln>
+        <a:ln w="19050" cap="flat" cmpd="sng" algn="ctr">
+          <a:solidFill>
+            <a:schemeClr val="phClr"/>
+          </a:solidFill>
+          <a:prstDash val="solid"/>
+          <a:miter lim="800000"/>
+        </a:ln>
+      </a:lnStyleLst>
+      <a:effectStyleLst>
+        <a:effectStyle>
+          <a:effectLst/>
+        </a:effectStyle>
+        <a:effectStyle>
+          <a:effectLst/>
+        </a:effectStyle>
+        <a:effectStyle>
+          <a:effectLst>
+            <a:outerShdw blurRad="57150" dist="19050" dir="5400000" algn="ctr" rotWithShape="0">
+              <a:srgbClr val="000000">
+                <a:alpha val="63000"/>
+              </a:srgbClr>
+            </a:outerShdw>
+          </a:effectLst>
+        </a:effectStyle>
+      </a:effectStyleLst>
+      <a:bgFillStyleLst>
+        <a:solidFill>
+          <a:schemeClr val="phClr"/>
+        </a:solidFill>
+        <a:solidFill>
+          <a:schemeClr val="phClr">
+            <a:tint val="95000"/>
+            <a:satMod val="170000"/>
+          </a:schemeClr>
+        </a:solidFill>
+        <a:gradFill rotWithShape="1">
+          <a:gsLst>
+            <a:gs pos="0">
+              <a:schemeClr val="phClr">
+                <a:tint val="93000"/>
+                <a:satMod val="150000"/>
+                <a:shade val="98000"/>
+                <a:lumMod val="102000"/>
+              </a:schemeClr>
+            </a:gs>
+            <a:gs pos="50000">
+              <a:schemeClr val="phClr">
+                <a:tint val="98000"/>
+                <a:satMod val="130000"/>
+                <a:shade val="90000"/>
+                <a:lumMod val="103000"/>
+              </a:schemeClr>
+            </a:gs>
+            <a:gs pos="100000">
+              <a:schemeClr val="phClr">
+                <a:shade val="63000"/>
+                <a:satMod val="120000"/>
+              </a:schemeClr>
+            </a:gs>
+          </a:gsLst>
+          <a:lin ang="5400000" scaled="0"/>
+        </a:gradFill>
+      </a:bgFillStyleLst>
+    </a:fmtScheme>
+  </a:themeElements>
+  <a:objectDefaults/>
+  <a:extraClrSchemeLst/>
+  <a:extLst>
+    <a:ext uri="{05A4C25C-085E-4340-85A3-A5531E510DB2}">
+      <thm15:themeFamily xmlns:thm15="http://schemas.microsoft.com/office/thememl/2012/main" name="Office Theme" id="{62F939B6-93AF-4DB8-9C6B-D6C7DFDC589F}" vid="{4A3C46E8-61CC-4603-A589-7422A47A8E4A}"/>
+    </a:ext>
+  </a:extLst>
+</a:theme>
 </file>